--- a/Lecture notes/2_Reproducibility.pptx
+++ b/Lecture notes/2_Reproducibility.pptx
@@ -5,7 +5,7 @@
     <p:sldMasterId id="2147483648" r:id="rId1"/>
   </p:sldMasterIdLst>
   <p:notesMasterIdLst>
-    <p:notesMasterId r:id="rId14"/>
+    <p:notesMasterId r:id="rId12"/>
   </p:notesMasterIdLst>
   <p:sldIdLst>
     <p:sldId id="270" r:id="rId2"/>
@@ -13,13 +13,11 @@
     <p:sldId id="278" r:id="rId4"/>
     <p:sldId id="279" r:id="rId5"/>
     <p:sldId id="280" r:id="rId6"/>
-    <p:sldId id="282" r:id="rId7"/>
-    <p:sldId id="283" r:id="rId8"/>
-    <p:sldId id="281" r:id="rId9"/>
-    <p:sldId id="284" r:id="rId10"/>
-    <p:sldId id="286" r:id="rId11"/>
-    <p:sldId id="287" r:id="rId12"/>
-    <p:sldId id="285" r:id="rId13"/>
+    <p:sldId id="281" r:id="rId7"/>
+    <p:sldId id="284" r:id="rId8"/>
+    <p:sldId id="286" r:id="rId9"/>
+    <p:sldId id="287" r:id="rId10"/>
+    <p:sldId id="285" r:id="rId11"/>
   </p:sldIdLst>
   <p:sldSz cx="12192000" cy="6858000"/>
   <p:notesSz cx="6858000" cy="9144000"/>
@@ -118,6 +116,11 @@
       </a:defRPr>
     </a:lvl9pPr>
   </p:defaultTextStyle>
+  <p:extLst>
+    <p:ext uri="{EFAFB233-063F-42B5-8137-9DF3F51BA10A}">
+      <p15:sldGuideLst xmlns:p15="http://schemas.microsoft.com/office/powerpoint/2012/main"/>
+    </p:ext>
+  </p:extLst>
 </p:presentation>
 </file>
 
@@ -203,7 +206,7 @@
           <a:p>
             <a:fld id="{39D33579-13A9-D54D-9CB4-CB6CA4D40CD2}" type="datetimeFigureOut">
               <a:rPr lang="en-US" smtClean="0"/>
-              <a:t>9/19/23</a:t>
+              <a:t>9/20/23</a:t>
             </a:fld>
             <a:endParaRPr lang="en-US"/>
           </a:p>
@@ -659,197 +662,6 @@
 </p:notes>
 </file>
 
-<file path=ppt/notesSlides/notesSlide10.xml><?xml version="1.0" encoding="utf-8"?>
-<p:notes xmlns:a="http://schemas.openxmlformats.org/drawingml/2006/main" xmlns:r="http://schemas.openxmlformats.org/officeDocument/2006/relationships" xmlns:p="http://schemas.openxmlformats.org/presentationml/2006/main">
-  <p:cSld>
-    <p:spTree>
-      <p:nvGrpSpPr>
-        <p:cNvPr id="1" name=""/>
-        <p:cNvGrpSpPr/>
-        <p:nvPr/>
-      </p:nvGrpSpPr>
-      <p:grpSpPr>
-        <a:xfrm>
-          <a:off x="0" y="0"/>
-          <a:ext cx="0" cy="0"/>
-          <a:chOff x="0" y="0"/>
-          <a:chExt cx="0" cy="0"/>
-        </a:xfrm>
-      </p:grpSpPr>
-      <p:sp>
-        <p:nvSpPr>
-          <p:cNvPr id="2" name="Slide Image Placeholder 1"/>
-          <p:cNvSpPr>
-            <a:spLocks noGrp="1" noRot="1" noChangeAspect="1"/>
-          </p:cNvSpPr>
-          <p:nvPr>
-            <p:ph type="sldImg"/>
-          </p:nvPr>
-        </p:nvSpPr>
-        <p:spPr/>
-      </p:sp>
-      <p:sp>
-        <p:nvSpPr>
-          <p:cNvPr id="3" name="Notes Placeholder 2"/>
-          <p:cNvSpPr>
-            <a:spLocks noGrp="1"/>
-          </p:cNvSpPr>
-          <p:nvPr>
-            <p:ph type="body" idx="1"/>
-          </p:nvPr>
-        </p:nvSpPr>
-        <p:spPr/>
-        <p:txBody>
-          <a:bodyPr/>
-          <a:lstStyle/>
-          <a:p>
-            <a:r>
-              <a:rPr lang="en-US" dirty="0"/>
-              <a:t>Document your code using docstrings. So another great thing about vs code, is that it has automatic docstring generation. So it’ll do a lot of this for you. You should also use type hints as well. So Python doesn’t enforce typing, it’s what we call a dynamically typed language, vs something like C++ which is statically typed, so you have to go through and specify for every new variable what type it is.</a:t>
-            </a:r>
-          </a:p>
-        </p:txBody>
-      </p:sp>
-      <p:sp>
-        <p:nvSpPr>
-          <p:cNvPr id="4" name="Slide Number Placeholder 3"/>
-          <p:cNvSpPr>
-            <a:spLocks noGrp="1"/>
-          </p:cNvSpPr>
-          <p:nvPr>
-            <p:ph type="sldNum" sz="quarter" idx="5"/>
-          </p:nvPr>
-        </p:nvSpPr>
-        <p:spPr/>
-        <p:txBody>
-          <a:bodyPr/>
-          <a:lstStyle/>
-          <a:p>
-            <a:fld id="{201484FD-10DA-4547-A01E-D86EDBCF772B}" type="slidenum">
-              <a:rPr lang="en-US" smtClean="0"/>
-              <a:t>11</a:t>
-            </a:fld>
-            <a:endParaRPr lang="en-US"/>
-          </a:p>
-        </p:txBody>
-      </p:sp>
-    </p:spTree>
-    <p:extLst>
-      <p:ext uri="{BB962C8B-B14F-4D97-AF65-F5344CB8AC3E}">
-        <p14:creationId xmlns:p14="http://schemas.microsoft.com/office/powerpoint/2010/main" val="3289448672"/>
-      </p:ext>
-    </p:extLst>
-  </p:cSld>
-  <p:clrMapOvr>
-    <a:masterClrMapping/>
-  </p:clrMapOvr>
-</p:notes>
-</file>
-
-<file path=ppt/notesSlides/notesSlide11.xml><?xml version="1.0" encoding="utf-8"?>
-<p:notes xmlns:a="http://schemas.openxmlformats.org/drawingml/2006/main" xmlns:r="http://schemas.openxmlformats.org/officeDocument/2006/relationships" xmlns:p="http://schemas.openxmlformats.org/presentationml/2006/main">
-  <p:cSld>
-    <p:spTree>
-      <p:nvGrpSpPr>
-        <p:cNvPr id="1" name=""/>
-        <p:cNvGrpSpPr/>
-        <p:nvPr/>
-      </p:nvGrpSpPr>
-      <p:grpSpPr>
-        <a:xfrm>
-          <a:off x="0" y="0"/>
-          <a:ext cx="0" cy="0"/>
-          <a:chOff x="0" y="0"/>
-          <a:chExt cx="0" cy="0"/>
-        </a:xfrm>
-      </p:grpSpPr>
-      <p:sp>
-        <p:nvSpPr>
-          <p:cNvPr id="2" name="Slide Image Placeholder 1"/>
-          <p:cNvSpPr>
-            <a:spLocks noGrp="1" noRot="1" noChangeAspect="1"/>
-          </p:cNvSpPr>
-          <p:nvPr>
-            <p:ph type="sldImg"/>
-          </p:nvPr>
-        </p:nvSpPr>
-        <p:spPr/>
-      </p:sp>
-      <p:sp>
-        <p:nvSpPr>
-          <p:cNvPr id="3" name="Notes Placeholder 2"/>
-          <p:cNvSpPr>
-            <a:spLocks noGrp="1"/>
-          </p:cNvSpPr>
-          <p:nvPr>
-            <p:ph type="body" idx="1"/>
-          </p:nvPr>
-        </p:nvSpPr>
-        <p:spPr/>
-        <p:txBody>
-          <a:bodyPr/>
-          <a:lstStyle/>
-          <a:p>
-            <a:r>
-              <a:rPr lang="en-US" dirty="0"/>
-              <a:t>If you’re already working on a project that has style conventions that differ to established conventions, don’t worry about breaking them. And if you do something that’s a little bit different, so what? Just try and be consistent.</a:t>
-            </a:r>
-          </a:p>
-          <a:p>
-            <a:endParaRPr lang="en-US" dirty="0"/>
-          </a:p>
-          <a:p>
-            <a:r>
-              <a:rPr lang="en-US" dirty="0"/>
-              <a:t>Just a quick note on copilot and </a:t>
-            </a:r>
-            <a:r>
-              <a:rPr lang="en-US" dirty="0" err="1"/>
-              <a:t>gpt</a:t>
-            </a:r>
-            <a:r>
-              <a:rPr lang="en-US" dirty="0"/>
-              <a:t>. GPT, you’ve probably heard of. And copilot is sort of like GPT for code. It’s integrated into vs code.</a:t>
-            </a:r>
-          </a:p>
-        </p:txBody>
-      </p:sp>
-      <p:sp>
-        <p:nvSpPr>
-          <p:cNvPr id="4" name="Slide Number Placeholder 3"/>
-          <p:cNvSpPr>
-            <a:spLocks noGrp="1"/>
-          </p:cNvSpPr>
-          <p:nvPr>
-            <p:ph type="sldNum" sz="quarter" idx="5"/>
-          </p:nvPr>
-        </p:nvSpPr>
-        <p:spPr/>
-        <p:txBody>
-          <a:bodyPr/>
-          <a:lstStyle/>
-          <a:p>
-            <a:fld id="{201484FD-10DA-4547-A01E-D86EDBCF772B}" type="slidenum">
-              <a:rPr lang="en-US" smtClean="0"/>
-              <a:t>12</a:t>
-            </a:fld>
-            <a:endParaRPr lang="en-US"/>
-          </a:p>
-        </p:txBody>
-      </p:sp>
-    </p:spTree>
-    <p:extLst>
-      <p:ext uri="{BB962C8B-B14F-4D97-AF65-F5344CB8AC3E}">
-        <p14:creationId xmlns:p14="http://schemas.microsoft.com/office/powerpoint/2010/main" val="261515117"/>
-      </p:ext>
-    </p:extLst>
-  </p:cSld>
-  <p:clrMapOvr>
-    <a:masterClrMapping/>
-  </p:clrMapOvr>
-</p:notes>
-</file>
-
 <file path=ppt/notesSlides/notesSlide2.xml><?xml version="1.0" encoding="utf-8"?>
 <p:notes xmlns:a="http://schemas.openxmlformats.org/drawingml/2006/main" xmlns:r="http://schemas.openxmlformats.org/officeDocument/2006/relationships" xmlns:p="http://schemas.openxmlformats.org/presentationml/2006/main">
   <p:cSld>
@@ -957,7 +769,7 @@
           <a:p>
             <a:r>
               <a:rPr lang="en-US" dirty="0"/>
-              <a:t>Also in terms of operating systems. Generally, your experience will be better with MacOS and Linux than with Windows. I used to be a diehard Windows person. I just couldn’t stand MacOS, but now I’ve done a complete 180. I simply love the Mac experience. Windows is still my number 1 for gaming though. But thanks to the Steam deck, it’s slowly starting to shift a little, which is only good for the consumers.</a:t>
+              <a:t>Also in terms of operating systems. Generally, your experience will be better with MacOS and Linux than with Windows. I used to be a diehard Windows person. I just couldn’t stand MacOS, but now I’ve done a complete 180. I simply love the Mac experience.</a:t>
             </a:r>
           </a:p>
         </p:txBody>
@@ -1146,27 +958,7 @@
           <a:bodyPr/>
           <a:lstStyle/>
           <a:p>
-            <a:r>
-              <a:rPr lang="en-US" dirty="0"/>
-              <a:t>Why are we bothering to do all this? We want reproducibility. Multiple fields are battling through a replication crisis right now, and it’s not unique to social sciences. Physics and computer science also have these issues. Papers published at big conferences like ICML, </a:t>
-            </a:r>
-            <a:r>
-              <a:rPr lang="en-US" dirty="0" err="1"/>
-              <a:t>Neurips</a:t>
-            </a:r>
-            <a:r>
-              <a:rPr lang="en-US" dirty="0"/>
-              <a:t>, ICLR, sometimes have questionable peer review processes.</a:t>
-            </a:r>
-          </a:p>
-          <a:p>
             <a:endParaRPr lang="en-US" dirty="0"/>
-          </a:p>
-          <a:p>
-            <a:r>
-              <a:rPr lang="en-US" dirty="0"/>
-              <a:t>I like to draw a comparison between running a formula one team. You’re the boss of a formula one team. Every single thing your drivers do in the car is monitored. Heart rate, breathing rate, location on track, speed on the straight, speed though every part of every corner, steering angle, throttle input, brake input, lateral and longitudinal G-forces. Everything is collected and compared to the driver on the other side of the garage. So if you’re driver is slow, everyone knows about it, there is nowhere to hide. And we should take this driver, and use this information to make them better, faster. And if they can’t we can just get someone else who can do the job. The driver is your code. Your code needs to be open to scrutiny so that the peer review process can function effectively. Back in the 50s and 60s, you get in the car and you just try and be quicker than everyone else over a single lap.</a:t>
-            </a:r>
           </a:p>
         </p:txBody>
       </p:sp>
@@ -1250,27 +1042,7 @@
           <a:bodyPr/>
           <a:lstStyle/>
           <a:p>
-            <a:r>
-              <a:rPr lang="en-US" dirty="0"/>
-              <a:t>Why are we bothering to do all this? We want reproducibility. Multiple fields are battling through a replication crisis right now, and it’s not unique to social sciences. Physics and computer science also have these issues. Papers published at big conferences like ICML, </a:t>
-            </a:r>
-            <a:r>
-              <a:rPr lang="en-US" dirty="0" err="1"/>
-              <a:t>Neurips</a:t>
-            </a:r>
-            <a:r>
-              <a:rPr lang="en-US" dirty="0"/>
-              <a:t>, ICLR, sometimes have questionable peer review processes.</a:t>
-            </a:r>
-          </a:p>
-          <a:p>
             <a:endParaRPr lang="en-US" dirty="0"/>
-          </a:p>
-          <a:p>
-            <a:r>
-              <a:rPr lang="en-US" dirty="0"/>
-              <a:t>I like to draw a comparison between running a formula one team. You’re the boss of a formula one team. Every single thing your drivers do in the car is monitored. Heart rate, breathing rate, location on track, speed on the straight, speed though every part of every corner, steering angle, throttle input, brake input, lateral and longitudinal G-forces. Everything is collected and compared to the driver on the other side of the garage. So if you’re driver is slow, everyone knows about it, there is nowhere to hide. And we should take this driver, and use this information to make them better, faster. And if they can’t we can just get someone else who can do the job. The driver is your code. Your code needs to be open to scrutiny so that the peer review process can function effectively. Back in the 50s and 60s, you get in the car and you just try and be quicker than everyone else over a single lap.</a:t>
-            </a:r>
           </a:p>
         </p:txBody>
       </p:sp>
@@ -1300,7 +1072,7 @@
     </p:spTree>
     <p:extLst>
       <p:ext uri="{BB962C8B-B14F-4D97-AF65-F5344CB8AC3E}">
-        <p14:creationId xmlns:p14="http://schemas.microsoft.com/office/powerpoint/2010/main" val="2467748758"/>
+        <p14:creationId xmlns:p14="http://schemas.microsoft.com/office/powerpoint/2010/main" val="1576776202"/>
       </p:ext>
     </p:extLst>
   </p:cSld>
@@ -1356,24 +1128,7 @@
           <a:p>
             <a:r>
               <a:rPr lang="en-US" dirty="0"/>
-              <a:t>Why are we bothering to do all this? We want reproducibility. Multiple fields are battling through a replication crisis right now, and it’s not unique to social sciences. Physics and computer science also have these issues. Papers published at big conferences like ICML, </a:t>
-            </a:r>
-            <a:r>
-              <a:rPr lang="en-US" dirty="0" err="1"/>
-              <a:t>Neurips</a:t>
-            </a:r>
-            <a:r>
-              <a:rPr lang="en-US" dirty="0"/>
-              <a:t>, ICLR, sometimes have questionable peer review processes.</a:t>
-            </a:r>
-          </a:p>
-          <a:p>
-            <a:endParaRPr lang="en-US" dirty="0"/>
-          </a:p>
-          <a:p>
-            <a:r>
-              <a:rPr lang="en-US" dirty="0"/>
-              <a:t>I like to draw a comparison between running a formula one team. You’re the boss of a formula one team. Every single thing your drivers do in the car is monitored. Heart rate, breathing rate, location on track, speed on the straight, speed though every part of every corner, steering angle, throttle input, brake input, lateral and longitudinal G-forces. Everything is collected and compared to the driver on the other side of the garage. So if you’re driver is slow, everyone knows about it, there is nowhere to hide. And we should take this driver, and use this information to make them better, faster. And if they can’t we can just get someone else who can do the job. The driver is your code. Your code needs to be open to scrutiny so that the peer review process can function effectively. Back in the 50s and 60s, you get in the car and you just try and be quicker than everyone else over a single lap.</a:t>
+              <a:t>Make good variable names. And I know this may seem obvious, but I guarantee that one day, you will be about to make the decision to use a terrible variable or function name!</a:t>
             </a:r>
           </a:p>
         </p:txBody>
@@ -1404,7 +1159,7 @@
     </p:spTree>
     <p:extLst>
       <p:ext uri="{BB962C8B-B14F-4D97-AF65-F5344CB8AC3E}">
-        <p14:creationId xmlns:p14="http://schemas.microsoft.com/office/powerpoint/2010/main" val="1531509031"/>
+        <p14:creationId xmlns:p14="http://schemas.microsoft.com/office/powerpoint/2010/main" val="2166552865"/>
       </p:ext>
     </p:extLst>
   </p:cSld>
@@ -1460,24 +1215,7 @@
           <a:p>
             <a:r>
               <a:rPr lang="en-US" dirty="0"/>
-              <a:t>Why are we bothering to do all this? We want reproducibility. Multiple fields are battling through a replication crisis right now, and it’s not unique to social sciences. Physics and computer science also have these issues. Papers published at big conferences like ICML, </a:t>
-            </a:r>
-            <a:r>
-              <a:rPr lang="en-US" dirty="0" err="1"/>
-              <a:t>Neurips</a:t>
-            </a:r>
-            <a:r>
-              <a:rPr lang="en-US" dirty="0"/>
-              <a:t>, ICLR, sometimes have questionable peer review processes.</a:t>
-            </a:r>
-          </a:p>
-          <a:p>
-            <a:endParaRPr lang="en-US" dirty="0"/>
-          </a:p>
-          <a:p>
-            <a:r>
-              <a:rPr lang="en-US" dirty="0"/>
-              <a:t>I like to draw a comparison between running a formula one team. You’re the boss of a formula one team. Every single thing your drivers do in the car is monitored. Heart rate, breathing rate, location on track, speed on the straight, speed though every part of every corner, steering angle, throttle input, brake input, lateral and longitudinal G-forces. Everything is collected and compared to the driver on the other side of the garage. So if you’re driver is slow, everyone knows about it, there is nowhere to hide. And we should take this driver, and use this information to make them better, faster. And if they can’t we can just get someone else who can do the job. The driver is your code. Your code needs to be open to scrutiny so that the peer review process can function effectively. Back in the 50s and 60s, you get in the car and you just try and be quicker than everyone else over a single lap.</a:t>
+              <a:t>Document your code using docstrings. So another great thing about vs code, is that it has automatic docstring generation. So it’ll do a lot of this for you. You should also use type hints as well. So Python doesn’t enforce typing, it’s what we call a dynamically typed language, vs something like C++ which is statically typed, so you have to go through and specify for every new variable what type it is.</a:t>
             </a:r>
           </a:p>
         </p:txBody>
@@ -1508,7 +1246,7 @@
     </p:spTree>
     <p:extLst>
       <p:ext uri="{BB962C8B-B14F-4D97-AF65-F5344CB8AC3E}">
-        <p14:creationId xmlns:p14="http://schemas.microsoft.com/office/powerpoint/2010/main" val="1576776202"/>
+        <p14:creationId xmlns:p14="http://schemas.microsoft.com/office/powerpoint/2010/main" val="2643773589"/>
       </p:ext>
     </p:extLst>
   </p:cSld>
@@ -1564,7 +1302,7 @@
           <a:p>
             <a:r>
               <a:rPr lang="en-US" dirty="0"/>
-              <a:t>Make good variable names. And I know this may seem obvious, but I guarantee that one day, you will be about to make the decision to use a terrible variable or function name!</a:t>
+              <a:t>Avoid magic numbers</a:t>
             </a:r>
           </a:p>
         </p:txBody>
@@ -1595,7 +1333,7 @@
     </p:spTree>
     <p:extLst>
       <p:ext uri="{BB962C8B-B14F-4D97-AF65-F5344CB8AC3E}">
-        <p14:creationId xmlns:p14="http://schemas.microsoft.com/office/powerpoint/2010/main" val="2166552865"/>
+        <p14:creationId xmlns:p14="http://schemas.microsoft.com/office/powerpoint/2010/main" val="3289448672"/>
       </p:ext>
     </p:extLst>
   </p:cSld>
@@ -1651,7 +1389,24 @@
           <a:p>
             <a:r>
               <a:rPr lang="en-US" dirty="0"/>
-              <a:t>Document your code using docstrings. So another great thing about vs code, is that it has automatic docstring generation. So it’ll do a lot of this for you. You should also use type hints as well. So Python doesn’t enforce typing, it’s what we call a dynamically typed language, vs something like C++ which is statically typed, so you have to go through and specify for every new variable what type it is.</a:t>
+              <a:t>If you’re already working on a project that has style conventions that differ to established conventions, don’t worry about breaking them. And if you do something that’s a little bit different, so what? Just try and be consistent.</a:t>
+            </a:r>
+          </a:p>
+          <a:p>
+            <a:endParaRPr lang="en-US" dirty="0"/>
+          </a:p>
+          <a:p>
+            <a:r>
+              <a:rPr lang="en-US" dirty="0"/>
+              <a:t>Just a quick note on copilot and </a:t>
+            </a:r>
+            <a:r>
+              <a:rPr lang="en-US" dirty="0" err="1"/>
+              <a:t>gpt</a:t>
+            </a:r>
+            <a:r>
+              <a:rPr lang="en-US" dirty="0"/>
+              <a:t>. GPT, you’ve probably heard of. And copilot is sort of like GPT for code. It’s integrated into vs code.</a:t>
             </a:r>
           </a:p>
         </p:txBody>
@@ -1682,7 +1437,7 @@
     </p:spTree>
     <p:extLst>
       <p:ext uri="{BB962C8B-B14F-4D97-AF65-F5344CB8AC3E}">
-        <p14:creationId xmlns:p14="http://schemas.microsoft.com/office/powerpoint/2010/main" val="2643773589"/>
+        <p14:creationId xmlns:p14="http://schemas.microsoft.com/office/powerpoint/2010/main" val="261515117"/>
       </p:ext>
     </p:extLst>
   </p:cSld>
@@ -1841,7 +1596,7 @@
           <a:p>
             <a:fld id="{531CBAB6-3A16-BA4E-A56D-F76E8DA182F3}" type="datetimeFigureOut">
               <a:rPr lang="en-US" smtClean="0"/>
-              <a:t>9/19/23</a:t>
+              <a:t>9/20/23</a:t>
             </a:fld>
             <a:endParaRPr lang="en-US"/>
           </a:p>
@@ -2041,7 +1796,7 @@
           <a:p>
             <a:fld id="{531CBAB6-3A16-BA4E-A56D-F76E8DA182F3}" type="datetimeFigureOut">
               <a:rPr lang="en-US" smtClean="0"/>
-              <a:t>9/19/23</a:t>
+              <a:t>9/20/23</a:t>
             </a:fld>
             <a:endParaRPr lang="en-US"/>
           </a:p>
@@ -2251,7 +2006,7 @@
           <a:p>
             <a:fld id="{531CBAB6-3A16-BA4E-A56D-F76E8DA182F3}" type="datetimeFigureOut">
               <a:rPr lang="en-US" smtClean="0"/>
-              <a:t>9/19/23</a:t>
+              <a:t>9/20/23</a:t>
             </a:fld>
             <a:endParaRPr lang="en-US"/>
           </a:p>
@@ -3218,7 +2973,7 @@
           <a:p>
             <a:fld id="{531CBAB6-3A16-BA4E-A56D-F76E8DA182F3}" type="datetimeFigureOut">
               <a:rPr lang="en-US" smtClean="0"/>
-              <a:t>9/19/23</a:t>
+              <a:t>9/20/23</a:t>
             </a:fld>
             <a:endParaRPr lang="en-US"/>
           </a:p>
@@ -3494,7 +3249,7 @@
           <a:p>
             <a:fld id="{531CBAB6-3A16-BA4E-A56D-F76E8DA182F3}" type="datetimeFigureOut">
               <a:rPr lang="en-US" smtClean="0"/>
-              <a:t>9/19/23</a:t>
+              <a:t>9/20/23</a:t>
             </a:fld>
             <a:endParaRPr lang="en-US"/>
           </a:p>
@@ -3762,7 +3517,7 @@
           <a:p>
             <a:fld id="{531CBAB6-3A16-BA4E-A56D-F76E8DA182F3}" type="datetimeFigureOut">
               <a:rPr lang="en-US" smtClean="0"/>
-              <a:t>9/19/23</a:t>
+              <a:t>9/20/23</a:t>
             </a:fld>
             <a:endParaRPr lang="en-US"/>
           </a:p>
@@ -4177,7 +3932,7 @@
           <a:p>
             <a:fld id="{531CBAB6-3A16-BA4E-A56D-F76E8DA182F3}" type="datetimeFigureOut">
               <a:rPr lang="en-US" smtClean="0"/>
-              <a:t>9/19/23</a:t>
+              <a:t>9/20/23</a:t>
             </a:fld>
             <a:endParaRPr lang="en-US"/>
           </a:p>
@@ -4319,7 +4074,7 @@
           <a:p>
             <a:fld id="{531CBAB6-3A16-BA4E-A56D-F76E8DA182F3}" type="datetimeFigureOut">
               <a:rPr lang="en-US" smtClean="0"/>
-              <a:t>9/19/23</a:t>
+              <a:t>9/20/23</a:t>
             </a:fld>
             <a:endParaRPr lang="en-US"/>
           </a:p>
@@ -4432,7 +4187,7 @@
           <a:p>
             <a:fld id="{531CBAB6-3A16-BA4E-A56D-F76E8DA182F3}" type="datetimeFigureOut">
               <a:rPr lang="en-US" smtClean="0"/>
-              <a:t>9/19/23</a:t>
+              <a:t>9/20/23</a:t>
             </a:fld>
             <a:endParaRPr lang="en-US"/>
           </a:p>
@@ -4745,7 +4500,7 @@
           <a:p>
             <a:fld id="{531CBAB6-3A16-BA4E-A56D-F76E8DA182F3}" type="datetimeFigureOut">
               <a:rPr lang="en-US" smtClean="0"/>
-              <a:t>9/19/23</a:t>
+              <a:t>9/20/23</a:t>
             </a:fld>
             <a:endParaRPr lang="en-US"/>
           </a:p>
@@ -5034,7 +4789,7 @@
           <a:p>
             <a:fld id="{531CBAB6-3A16-BA4E-A56D-F76E8DA182F3}" type="datetimeFigureOut">
               <a:rPr lang="en-US" smtClean="0"/>
-              <a:t>9/19/23</a:t>
+              <a:t>9/20/23</a:t>
             </a:fld>
             <a:endParaRPr lang="en-US"/>
           </a:p>
@@ -5277,7 +5032,7 @@
           <a:p>
             <a:fld id="{531CBAB6-3A16-BA4E-A56D-F76E8DA182F3}" type="datetimeFigureOut">
               <a:rPr lang="en-US" smtClean="0"/>
-              <a:t>9/19/23</a:t>
+              <a:t>9/20/23</a:t>
             </a:fld>
             <a:endParaRPr lang="en-US"/>
           </a:p>
@@ -5806,330 +5561,6 @@
           </a:bodyPr>
           <a:lstStyle/>
           <a:p>
-            <a:r>
-              <a:rPr lang="en-US" dirty="0"/>
-              <a:t>Design decisions to aid reproducibility – documenting</a:t>
-            </a:r>
-          </a:p>
-          <a:p>
-            <a:endParaRPr lang="en-US" dirty="0"/>
-          </a:p>
-          <a:p>
-            <a:endParaRPr lang="en-US" dirty="0"/>
-          </a:p>
-        </p:txBody>
-      </p:sp>
-      <p:sp>
-        <p:nvSpPr>
-          <p:cNvPr id="3" name="TextBox 2">
-            <a:extLst>
-              <a:ext uri="{FF2B5EF4-FFF2-40B4-BE49-F238E27FC236}">
-                <a16:creationId xmlns:a16="http://schemas.microsoft.com/office/drawing/2014/main" id="{647DFCC2-FF60-925D-7D59-79058319894C}"/>
-              </a:ext>
-            </a:extLst>
-          </p:cNvPr>
-          <p:cNvSpPr txBox="1"/>
-          <p:nvPr/>
-        </p:nvSpPr>
-        <p:spPr>
-          <a:xfrm>
-            <a:off x="781234" y="1518081"/>
-            <a:ext cx="10267765" cy="3170099"/>
-          </a:xfrm>
-          <a:prstGeom prst="rect">
-            <a:avLst/>
-          </a:prstGeom>
-          <a:noFill/>
-        </p:spPr>
-        <p:txBody>
-          <a:bodyPr wrap="square" rtlCol="0">
-            <a:spAutoFit/>
-          </a:bodyPr>
-          <a:lstStyle/>
-          <a:p>
-            <a:pPr marL="342900" indent="-342900">
-              <a:buFont typeface="Arial" panose="020B0604020202020204" pitchFamily="34" charset="0"/>
-              <a:buChar char="•"/>
-            </a:pPr>
-            <a:r>
-              <a:rPr lang="en-US" sz="2000" dirty="0"/>
-              <a:t>Document your code with actual docstrings, type hints, and comments.</a:t>
-            </a:r>
-          </a:p>
-          <a:p>
-            <a:pPr marL="342900" indent="-342900">
-              <a:buFont typeface="Arial" panose="020B0604020202020204" pitchFamily="34" charset="0"/>
-              <a:buChar char="•"/>
-            </a:pPr>
-            <a:endParaRPr lang="en-US" sz="2000" dirty="0"/>
-          </a:p>
-          <a:p>
-            <a:pPr marL="342900" indent="-342900">
-              <a:buFont typeface="Arial" panose="020B0604020202020204" pitchFamily="34" charset="0"/>
-              <a:buChar char="•"/>
-            </a:pPr>
-            <a:r>
-              <a:rPr lang="en-US" sz="2000" dirty="0"/>
-              <a:t>Docstrings and type hints will help people understand what various parts of your pipeline do, what the arguments are supposed to be, and what your functions return. </a:t>
-            </a:r>
-          </a:p>
-          <a:p>
-            <a:pPr marL="342900" indent="-342900">
-              <a:buFont typeface="Arial" panose="020B0604020202020204" pitchFamily="34" charset="0"/>
-              <a:buChar char="•"/>
-            </a:pPr>
-            <a:endParaRPr lang="en-US" sz="2000" dirty="0"/>
-          </a:p>
-          <a:p>
-            <a:pPr marL="342900" indent="-342900">
-              <a:buFont typeface="Arial" panose="020B0604020202020204" pitchFamily="34" charset="0"/>
-              <a:buChar char="•"/>
-            </a:pPr>
-            <a:r>
-              <a:rPr lang="en-US" sz="2000" dirty="0"/>
-              <a:t>Don’t comment everything. It should be blindingly obvious what most parts of your code do, but sometimes it’s nice to include a little comment to help the reader.</a:t>
-            </a:r>
-          </a:p>
-          <a:p>
-            <a:pPr marL="342900" indent="-342900">
-              <a:buFont typeface="Arial" panose="020B0604020202020204" pitchFamily="34" charset="0"/>
-              <a:buChar char="•"/>
-            </a:pPr>
-            <a:endParaRPr lang="en-US" sz="2000" dirty="0"/>
-          </a:p>
-          <a:p>
-            <a:pPr marL="342900" indent="-342900">
-              <a:buFont typeface="Arial" panose="020B0604020202020204" pitchFamily="34" charset="0"/>
-              <a:buChar char="•"/>
-            </a:pPr>
-            <a:r>
-              <a:rPr lang="en-US" sz="2000" dirty="0"/>
-              <a:t>As a general rule, if writing a line of code caused your brain to hurt, just leave a small comment explaining what the line does.</a:t>
-            </a:r>
-          </a:p>
-        </p:txBody>
-      </p:sp>
-    </p:spTree>
-    <p:extLst>
-      <p:ext uri="{BB962C8B-B14F-4D97-AF65-F5344CB8AC3E}">
-        <p14:creationId xmlns:p14="http://schemas.microsoft.com/office/powerpoint/2010/main" val="4202790678"/>
-      </p:ext>
-    </p:extLst>
-  </p:cSld>
-  <p:clrMapOvr>
-    <a:masterClrMapping/>
-  </p:clrMapOvr>
-</p:sld>
-</file>
-
-<file path=ppt/slides/slide11.xml><?xml version="1.0" encoding="utf-8"?>
-<p:sld xmlns:a="http://schemas.openxmlformats.org/drawingml/2006/main" xmlns:r="http://schemas.openxmlformats.org/officeDocument/2006/relationships" xmlns:p="http://schemas.openxmlformats.org/presentationml/2006/main">
-  <p:cSld>
-    <p:spTree>
-      <p:nvGrpSpPr>
-        <p:cNvPr id="1" name=""/>
-        <p:cNvGrpSpPr/>
-        <p:nvPr/>
-      </p:nvGrpSpPr>
-      <p:grpSpPr>
-        <a:xfrm>
-          <a:off x="0" y="0"/>
-          <a:ext cx="0" cy="0"/>
-          <a:chOff x="0" y="0"/>
-          <a:chExt cx="0" cy="0"/>
-        </a:xfrm>
-      </p:grpSpPr>
-      <p:sp>
-        <p:nvSpPr>
-          <p:cNvPr id="2" name="Text Placeholder 1"/>
-          <p:cNvSpPr>
-            <a:spLocks noGrp="1"/>
-          </p:cNvSpPr>
-          <p:nvPr>
-            <p:ph type="body" sz="quarter" idx="10"/>
-          </p:nvPr>
-        </p:nvSpPr>
-        <p:spPr/>
-        <p:txBody>
-          <a:bodyPr>
-            <a:normAutofit/>
-          </a:bodyPr>
-          <a:lstStyle/>
-          <a:p>
-            <a:r>
-              <a:rPr lang="en-US" dirty="0"/>
-              <a:t>Design decisions to aid reproducibility – structure</a:t>
-            </a:r>
-          </a:p>
-          <a:p>
-            <a:endParaRPr lang="en-US" dirty="0"/>
-          </a:p>
-          <a:p>
-            <a:endParaRPr lang="en-US" dirty="0"/>
-          </a:p>
-        </p:txBody>
-      </p:sp>
-      <p:sp>
-        <p:nvSpPr>
-          <p:cNvPr id="3" name="TextBox 2">
-            <a:extLst>
-              <a:ext uri="{FF2B5EF4-FFF2-40B4-BE49-F238E27FC236}">
-                <a16:creationId xmlns:a16="http://schemas.microsoft.com/office/drawing/2014/main" id="{647DFCC2-FF60-925D-7D59-79058319894C}"/>
-              </a:ext>
-            </a:extLst>
-          </p:cNvPr>
-          <p:cNvSpPr txBox="1"/>
-          <p:nvPr/>
-        </p:nvSpPr>
-        <p:spPr>
-          <a:xfrm>
-            <a:off x="781234" y="1518081"/>
-            <a:ext cx="10267765" cy="5016758"/>
-          </a:xfrm>
-          <a:prstGeom prst="rect">
-            <a:avLst/>
-          </a:prstGeom>
-          <a:noFill/>
-        </p:spPr>
-        <p:txBody>
-          <a:bodyPr wrap="square" rtlCol="0">
-            <a:spAutoFit/>
-          </a:bodyPr>
-          <a:lstStyle/>
-          <a:p>
-            <a:pPr marL="342900" indent="-342900">
-              <a:buFont typeface="Arial" panose="020B0604020202020204" pitchFamily="34" charset="0"/>
-              <a:buChar char="•"/>
-            </a:pPr>
-            <a:r>
-              <a:rPr lang="en-US" sz="2000" dirty="0"/>
-              <a:t>Where possible, your software should be modular and general. For example, if you have a function that passes a moving window over an audio file, like a filter, it should work on any audio file, not just the one you are interested in.</a:t>
-            </a:r>
-          </a:p>
-          <a:p>
-            <a:pPr marL="342900" indent="-342900">
-              <a:buFont typeface="Arial" panose="020B0604020202020204" pitchFamily="34" charset="0"/>
-              <a:buChar char="•"/>
-            </a:pPr>
-            <a:endParaRPr lang="en-US" sz="2000" dirty="0"/>
-          </a:p>
-          <a:p>
-            <a:pPr marL="342900" indent="-342900">
-              <a:buFont typeface="Arial" panose="020B0604020202020204" pitchFamily="34" charset="0"/>
-              <a:buChar char="•"/>
-            </a:pPr>
-            <a:r>
-              <a:rPr lang="en-US" sz="2000" dirty="0"/>
-              <a:t>You want your code to be like LEGO bricks.</a:t>
-            </a:r>
-          </a:p>
-          <a:p>
-            <a:pPr marL="342900" indent="-342900">
-              <a:buFont typeface="Arial" panose="020B0604020202020204" pitchFamily="34" charset="0"/>
-              <a:buChar char="•"/>
-            </a:pPr>
-            <a:endParaRPr lang="en-US" sz="2000" dirty="0"/>
-          </a:p>
-          <a:p>
-            <a:pPr marL="342900" indent="-342900">
-              <a:buFont typeface="Arial" panose="020B0604020202020204" pitchFamily="34" charset="0"/>
-              <a:buChar char="•"/>
-            </a:pPr>
-            <a:r>
-              <a:rPr lang="en-US" sz="2000" dirty="0"/>
-              <a:t>You have used the LEGO bricks to create a specific object, and you have given people instructions on how to also build this object. But at the same time, a brick is just a brick, and you can use it to create anything you like.</a:t>
-            </a:r>
-          </a:p>
-          <a:p>
-            <a:pPr marL="342900" indent="-342900">
-              <a:buFont typeface="Arial" panose="020B0604020202020204" pitchFamily="34" charset="0"/>
-              <a:buChar char="•"/>
-            </a:pPr>
-            <a:endParaRPr lang="en-US" sz="2000" dirty="0"/>
-          </a:p>
-          <a:p>
-            <a:pPr marL="342900" indent="-342900">
-              <a:buFont typeface="Arial" panose="020B0604020202020204" pitchFamily="34" charset="0"/>
-              <a:buChar char="•"/>
-            </a:pPr>
-            <a:r>
-              <a:rPr lang="en-US" sz="2000" dirty="0"/>
-              <a:t>Don’t try and force using OO design. If you don’t need to build a class for it, then don’t. Plenty of successful packages just use functions.</a:t>
-            </a:r>
-          </a:p>
-          <a:p>
-            <a:pPr marL="342900" indent="-342900">
-              <a:buFont typeface="Arial" panose="020B0604020202020204" pitchFamily="34" charset="0"/>
-              <a:buChar char="•"/>
-            </a:pPr>
-            <a:endParaRPr lang="en-US" sz="2000" dirty="0"/>
-          </a:p>
-          <a:p>
-            <a:pPr marL="342900" indent="-342900">
-              <a:buFont typeface="Arial" panose="020B0604020202020204" pitchFamily="34" charset="0"/>
-              <a:buChar char="•"/>
-            </a:pPr>
-            <a:r>
-              <a:rPr lang="en-US" sz="2000" dirty="0"/>
-              <a:t>Modularity makes it easy for you to test your code, and easier for others to see what is going on.</a:t>
-            </a:r>
-          </a:p>
-          <a:p>
-            <a:pPr marL="342900" indent="-342900">
-              <a:buFont typeface="Arial" panose="020B0604020202020204" pitchFamily="34" charset="0"/>
-              <a:buChar char="•"/>
-            </a:pPr>
-            <a:endParaRPr lang="en-US" sz="2000" dirty="0"/>
-          </a:p>
-        </p:txBody>
-      </p:sp>
-    </p:spTree>
-    <p:extLst>
-      <p:ext uri="{BB962C8B-B14F-4D97-AF65-F5344CB8AC3E}">
-        <p14:creationId xmlns:p14="http://schemas.microsoft.com/office/powerpoint/2010/main" val="2676362792"/>
-      </p:ext>
-    </p:extLst>
-  </p:cSld>
-  <p:clrMapOvr>
-    <a:masterClrMapping/>
-  </p:clrMapOvr>
-</p:sld>
-</file>
-
-<file path=ppt/slides/slide12.xml><?xml version="1.0" encoding="utf-8"?>
-<p:sld xmlns:a="http://schemas.openxmlformats.org/drawingml/2006/main" xmlns:r="http://schemas.openxmlformats.org/officeDocument/2006/relationships" xmlns:p="http://schemas.openxmlformats.org/presentationml/2006/main">
-  <p:cSld>
-    <p:spTree>
-      <p:nvGrpSpPr>
-        <p:cNvPr id="1" name=""/>
-        <p:cNvGrpSpPr/>
-        <p:nvPr/>
-      </p:nvGrpSpPr>
-      <p:grpSpPr>
-        <a:xfrm>
-          <a:off x="0" y="0"/>
-          <a:ext cx="0" cy="0"/>
-          <a:chOff x="0" y="0"/>
-          <a:chExt cx="0" cy="0"/>
-        </a:xfrm>
-      </p:grpSpPr>
-      <p:sp>
-        <p:nvSpPr>
-          <p:cNvPr id="2" name="Text Placeholder 1"/>
-          <p:cNvSpPr>
-            <a:spLocks noGrp="1"/>
-          </p:cNvSpPr>
-          <p:nvPr>
-            <p:ph type="body" sz="quarter" idx="10"/>
-          </p:nvPr>
-        </p:nvSpPr>
-        <p:spPr/>
-        <p:txBody>
-          <a:bodyPr>
-            <a:normAutofit/>
-          </a:bodyPr>
-          <a:lstStyle/>
-          <a:p>
             <a:endParaRPr lang="en-US" dirty="0"/>
           </a:p>
           <a:p>
@@ -6835,7 +6266,7 @@
         <p:spPr>
           <a:xfrm>
             <a:off x="781235" y="1518081"/>
-            <a:ext cx="6038666" cy="3170099"/>
+            <a:ext cx="6038666" cy="4093428"/>
           </a:xfrm>
           <a:prstGeom prst="rect">
             <a:avLst/>
@@ -6862,10 +6293,7 @@
               <a:buFont typeface="Arial" panose="020B0604020202020204" pitchFamily="34" charset="0"/>
               <a:buChar char="•"/>
             </a:pPr>
-            <a:r>
-              <a:rPr lang="en-US" sz="2000" dirty="0"/>
-              <a:t>Virtual environments are lightweight isolated versions of python.</a:t>
-            </a:r>
+            <a:endParaRPr lang="en-US" sz="2000" dirty="0"/>
           </a:p>
           <a:p>
             <a:pPr marL="342900" indent="-342900">
@@ -6874,6 +6302,23 @@
             </a:pPr>
             <a:r>
               <a:rPr lang="en-US" sz="2000" dirty="0"/>
+              <a:t>Virtual environments are lightweight isolated versions of python.</a:t>
+            </a:r>
+          </a:p>
+          <a:p>
+            <a:pPr marL="342900" indent="-342900">
+              <a:buFont typeface="Arial" panose="020B0604020202020204" pitchFamily="34" charset="0"/>
+              <a:buChar char="•"/>
+            </a:pPr>
+            <a:endParaRPr lang="en-US" sz="2000" dirty="0"/>
+          </a:p>
+          <a:p>
+            <a:pPr marL="342900" indent="-342900">
+              <a:buFont typeface="Arial" panose="020B0604020202020204" pitchFamily="34" charset="0"/>
+              <a:buChar char="•"/>
+            </a:pPr>
+            <a:r>
+              <a:rPr lang="en-US" sz="2000" dirty="0"/>
               <a:t>For the labs we’re going to use </a:t>
             </a:r>
             <a:r>
@@ -6892,6 +6337,13 @@
               <a:rPr lang="en-US" sz="2000" dirty="0"/>
               <a:t> and poetry.</a:t>
             </a:r>
+          </a:p>
+          <a:p>
+            <a:pPr marL="342900" indent="-342900">
+              <a:buFont typeface="Arial" panose="020B0604020202020204" pitchFamily="34" charset="0"/>
+              <a:buChar char="•"/>
+            </a:pPr>
+            <a:endParaRPr lang="en-US" sz="2000" dirty="0"/>
           </a:p>
           <a:p>
             <a:pPr marL="342900" indent="-342900">
@@ -7214,7 +6666,7 @@
         <p:spPr>
           <a:xfrm>
             <a:off x="781234" y="1518081"/>
-            <a:ext cx="10267765" cy="4401205"/>
+            <a:ext cx="10267765" cy="3477875"/>
           </a:xfrm>
           <a:prstGeom prst="rect">
             <a:avLst/>
@@ -7289,16 +6741,6 @@
               <a:buChar char="•"/>
             </a:pPr>
             <a:endParaRPr lang="en-US" sz="2000" dirty="0"/>
-          </a:p>
-          <a:p>
-            <a:pPr marL="342900" indent="-342900">
-              <a:buFont typeface="Arial" panose="020B0604020202020204" pitchFamily="34" charset="0"/>
-              <a:buChar char="•"/>
-            </a:pPr>
-            <a:r>
-              <a:rPr lang="en-US" sz="2000" dirty="0"/>
-              <a:t>We should try and separate the data processing from the model, but this is sometimes difficult to do. Here is example of how improperly separating feature engineering and models can lead to methodological flaws:</a:t>
-            </a:r>
           </a:p>
         </p:txBody>
       </p:sp>
@@ -7351,7 +6793,7 @@
           <a:p>
             <a:r>
               <a:rPr lang="en-US" dirty="0"/>
-              <a:t>Reproducibility</a:t>
+              <a:t>Caveats</a:t>
             </a:r>
           </a:p>
           <a:p>
@@ -7362,42 +6804,12 @@
           </a:p>
         </p:txBody>
       </p:sp>
-      <p:pic>
-        <p:nvPicPr>
-          <p:cNvPr id="5" name="Picture 4">
+      <p:sp>
+        <p:nvSpPr>
+          <p:cNvPr id="3" name="TextBox 2">
             <a:extLst>
               <a:ext uri="{FF2B5EF4-FFF2-40B4-BE49-F238E27FC236}">
-                <a16:creationId xmlns:a16="http://schemas.microsoft.com/office/drawing/2014/main" id="{D7171552-A184-0028-BD86-C6F8B046E5A5}"/>
-              </a:ext>
-            </a:extLst>
-          </p:cNvPr>
-          <p:cNvPicPr>
-            <a:picLocks noChangeAspect="1"/>
-          </p:cNvPicPr>
-          <p:nvPr/>
-        </p:nvPicPr>
-        <p:blipFill>
-          <a:blip r:embed="rId3"/>
-          <a:stretch>
-            <a:fillRect/>
-          </a:stretch>
-        </p:blipFill>
-        <p:spPr>
-          <a:xfrm>
-            <a:off x="365246" y="3147384"/>
-            <a:ext cx="8371652" cy="2275516"/>
-          </a:xfrm>
-          <a:prstGeom prst="rect">
-            <a:avLst/>
-          </a:prstGeom>
-        </p:spPr>
-      </p:pic>
-      <p:sp>
-        <p:nvSpPr>
-          <p:cNvPr id="6" name="TextBox 5">
-            <a:extLst>
-              <a:ext uri="{FF2B5EF4-FFF2-40B4-BE49-F238E27FC236}">
-                <a16:creationId xmlns:a16="http://schemas.microsoft.com/office/drawing/2014/main" id="{389C087E-5BF4-1D57-386D-4B87A534A103}"/>
+                <a16:creationId xmlns:a16="http://schemas.microsoft.com/office/drawing/2014/main" id="{647DFCC2-FF60-925D-7D59-79058319894C}"/>
               </a:ext>
             </a:extLst>
           </p:cNvPr>
@@ -7406,8 +6818,8 @@
         </p:nvSpPr>
         <p:spPr>
           <a:xfrm>
-            <a:off x="503659" y="2247900"/>
-            <a:ext cx="4646080" cy="584775"/>
+            <a:off x="781234" y="1518081"/>
+            <a:ext cx="10267765" cy="4401205"/>
           </a:xfrm>
           <a:prstGeom prst="rect">
             <a:avLst/>
@@ -7415,14 +6827,145 @@
           <a:noFill/>
         </p:spPr>
         <p:txBody>
-          <a:bodyPr wrap="none" rtlCol="0">
+          <a:bodyPr wrap="square" rtlCol="0">
             <a:spAutoFit/>
           </a:bodyPr>
           <a:lstStyle/>
           <a:p>
-            <a:r>
-              <a:rPr lang="en-US" sz="3200" dirty="0"/>
-              <a:t>What is the problem here?</a:t>
+            <a:pPr marL="342900" indent="-342900">
+              <a:buFont typeface="Arial" panose="020B0604020202020204" pitchFamily="34" charset="0"/>
+              <a:buChar char="•"/>
+            </a:pPr>
+            <a:r>
+              <a:rPr lang="en-US" sz="2000" dirty="0"/>
+              <a:t>Sometimes you simply cannot control all sources of randomness.</a:t>
+            </a:r>
+          </a:p>
+          <a:p>
+            <a:endParaRPr lang="en-US" sz="2000" dirty="0"/>
+          </a:p>
+          <a:p>
+            <a:pPr marL="342900" indent="-342900">
+              <a:buFont typeface="Arial" panose="020B0604020202020204" pitchFamily="34" charset="0"/>
+              <a:buChar char="•"/>
+            </a:pPr>
+            <a:r>
+              <a:rPr lang="en-US" sz="2000" dirty="0"/>
+              <a:t>This can be experimental issues such as batch effects of noise in a physical device.</a:t>
+            </a:r>
+          </a:p>
+          <a:p>
+            <a:pPr marL="342900" indent="-342900">
+              <a:buFont typeface="Arial" panose="020B0604020202020204" pitchFamily="34" charset="0"/>
+              <a:buChar char="•"/>
+            </a:pPr>
+            <a:endParaRPr lang="en-US" sz="2000" dirty="0"/>
+          </a:p>
+          <a:p>
+            <a:pPr marL="342900" indent="-342900">
+              <a:buFont typeface="Arial" panose="020B0604020202020204" pitchFamily="34" charset="0"/>
+              <a:buChar char="•"/>
+            </a:pPr>
+            <a:r>
+              <a:rPr lang="en-US" sz="2000" dirty="0"/>
+              <a:t>Similarly in </a:t>
+            </a:r>
+            <a:r>
+              <a:rPr lang="en-US" sz="2000" dirty="0" err="1"/>
+              <a:t>PyTorch</a:t>
+            </a:r>
+            <a:r>
+              <a:rPr lang="en-US" sz="2000" dirty="0"/>
+              <a:t>, you cannot expect perfect reproducibility across CPUs and GPUs.</a:t>
+            </a:r>
+          </a:p>
+          <a:p>
+            <a:pPr marL="342900" indent="-342900">
+              <a:buFont typeface="Arial" panose="020B0604020202020204" pitchFamily="34" charset="0"/>
+              <a:buChar char="•"/>
+            </a:pPr>
+            <a:endParaRPr lang="en-US" sz="2000" dirty="0"/>
+          </a:p>
+          <a:p>
+            <a:pPr marL="342900" indent="-342900">
+              <a:buFont typeface="Arial" panose="020B0604020202020204" pitchFamily="34" charset="0"/>
+              <a:buChar char="•"/>
+            </a:pPr>
+            <a:r>
+              <a:rPr lang="en-US" sz="2000" dirty="0"/>
+              <a:t>You also cannot control some nondeterministic algorithms in </a:t>
+            </a:r>
+            <a:r>
+              <a:rPr lang="en-US" sz="2000" dirty="0" err="1"/>
+              <a:t>PyTorch</a:t>
+            </a:r>
+            <a:r>
+              <a:rPr lang="en-US" sz="2000" dirty="0"/>
+              <a:t>, which we will see later.</a:t>
+            </a:r>
+          </a:p>
+          <a:p>
+            <a:pPr marL="342900" indent="-342900">
+              <a:buFont typeface="Arial" panose="020B0604020202020204" pitchFamily="34" charset="0"/>
+              <a:buChar char="•"/>
+            </a:pPr>
+            <a:endParaRPr lang="en-US" sz="2000" dirty="0"/>
+          </a:p>
+          <a:p>
+            <a:pPr marL="342900" indent="-342900">
+              <a:buFont typeface="Arial" panose="020B0604020202020204" pitchFamily="34" charset="0"/>
+              <a:buChar char="•"/>
+            </a:pPr>
+            <a:r>
+              <a:rPr lang="en-US" sz="2000" dirty="0"/>
+              <a:t>In general, you can expect to reproduce most random behavior from </a:t>
+            </a:r>
+            <a:r>
+              <a:rPr lang="en-US" sz="2000" dirty="0" err="1"/>
+              <a:t>Numpy</a:t>
+            </a:r>
+            <a:r>
+              <a:rPr lang="en-US" sz="2000" dirty="0"/>
+              <a:t> to MATLAB, but you should expect some ‘gotchas’.</a:t>
+            </a:r>
+          </a:p>
+          <a:p>
+            <a:pPr marL="800100" lvl="1" indent="-342900">
+              <a:buFont typeface="Arial" panose="020B0604020202020204" pitchFamily="34" charset="0"/>
+              <a:buChar char="•"/>
+            </a:pPr>
+            <a:r>
+              <a:rPr lang="en-US" sz="2000" dirty="0"/>
+              <a:t>For example </a:t>
+            </a:r>
+            <a:r>
+              <a:rPr lang="en-US" sz="2000" dirty="0" err="1"/>
+              <a:t>Numpy</a:t>
+            </a:r>
+            <a:r>
+              <a:rPr lang="en-US" sz="2000" dirty="0"/>
+              <a:t> and MATLAB will use different thresholding for certain linear algebra operations</a:t>
+            </a:r>
+          </a:p>
+          <a:p>
+            <a:pPr marL="800100" lvl="1" indent="-342900">
+              <a:buFont typeface="Arial" panose="020B0604020202020204" pitchFamily="34" charset="0"/>
+              <a:buChar char="•"/>
+            </a:pPr>
+            <a:endParaRPr lang="en-US" sz="2000" dirty="0"/>
+          </a:p>
+          <a:p>
+            <a:pPr marL="342900" indent="-342900">
+              <a:buFont typeface="Arial" panose="020B0604020202020204" pitchFamily="34" charset="0"/>
+              <a:buChar char="•"/>
+            </a:pPr>
+            <a:r>
+              <a:rPr lang="en-US" sz="2000" b="1" dirty="0">
+                <a:solidFill>
+                  <a:srgbClr val="FF0000"/>
+                </a:solidFill>
+              </a:rPr>
+              <a:t>DO NOT MAKE DESIGN DECISIONS BASED ON RANDOM SEEDS!!!</a:t>
             </a:r>
           </a:p>
         </p:txBody>
@@ -7430,7 +6973,7 @@
     </p:spTree>
     <p:extLst>
       <p:ext uri="{BB962C8B-B14F-4D97-AF65-F5344CB8AC3E}">
-        <p14:creationId xmlns:p14="http://schemas.microsoft.com/office/powerpoint/2010/main" val="2476467224"/>
+        <p14:creationId xmlns:p14="http://schemas.microsoft.com/office/powerpoint/2010/main" val="2232879702"/>
       </p:ext>
     </p:extLst>
   </p:cSld>
@@ -7476,7 +7019,7 @@
           <a:p>
             <a:r>
               <a:rPr lang="en-US" dirty="0"/>
-              <a:t>Reproducibility</a:t>
+              <a:t>Design decisions to aid reproducibility – naming</a:t>
             </a:r>
           </a:p>
           <a:p>
@@ -7487,275 +7030,208 @@
           </a:p>
         </p:txBody>
       </p:sp>
-      <mc:AlternateContent xmlns:mc="http://schemas.openxmlformats.org/markup-compatibility/2006">
-        <mc:Choice xmlns:a14="http://schemas.microsoft.com/office/drawing/2010/main" Requires="a14">
-          <p:sp>
-            <p:nvSpPr>
-              <p:cNvPr id="3" name="TextBox 2">
-                <a:extLst>
-                  <a:ext uri="{FF2B5EF4-FFF2-40B4-BE49-F238E27FC236}">
-                    <a16:creationId xmlns:a16="http://schemas.microsoft.com/office/drawing/2014/main" id="{647DFCC2-FF60-925D-7D59-79058319894C}"/>
-                  </a:ext>
-                </a:extLst>
-              </p:cNvPr>
-              <p:cNvSpPr txBox="1"/>
-              <p:nvPr/>
-            </p:nvSpPr>
-            <p:spPr>
-              <a:xfrm>
-                <a:off x="781234" y="1518081"/>
-                <a:ext cx="10267765" cy="4620496"/>
-              </a:xfrm>
-              <a:prstGeom prst="rect">
-                <a:avLst/>
-              </a:prstGeom>
-              <a:noFill/>
-            </p:spPr>
-            <p:txBody>
-              <a:bodyPr wrap="square" rtlCol="0">
-                <a:spAutoFit/>
-              </a:bodyPr>
-              <a:lstStyle/>
-              <a:p>
-                <a:pPr marL="342900" indent="-342900">
-                  <a:buFont typeface="Arial" panose="020B0604020202020204" pitchFamily="34" charset="0"/>
-                  <a:buChar char="•"/>
-                </a:pPr>
-                <a:r>
-                  <a:rPr lang="en-US" sz="2000" dirty="0"/>
-                  <a:t>The feature engineering pipeline is before splitting the data set into training and testing sets.</a:t>
-                </a:r>
-              </a:p>
-              <a:p>
-                <a:pPr marL="342900" indent="-342900">
-                  <a:buFont typeface="Arial" panose="020B0604020202020204" pitchFamily="34" charset="0"/>
-                  <a:buChar char="•"/>
-                </a:pPr>
-                <a:endParaRPr lang="en-US" sz="2000" b="1" dirty="0">
-                  <a:solidFill>
-                    <a:srgbClr val="FF0000"/>
-                  </a:solidFill>
-                </a:endParaRPr>
-              </a:p>
-              <a:p>
-                <a:pPr marL="342900" indent="-342900">
-                  <a:buFont typeface="Arial" panose="020B0604020202020204" pitchFamily="34" charset="0"/>
-                  <a:buChar char="•"/>
-                </a:pPr>
-                <a:r>
-                  <a:rPr lang="en-US" sz="2000" dirty="0"/>
-                  <a:t>Some of the feature engineering steps such as normalizing and imputation actually leads to information to leak from the training dataset into the testing dataset.</a:t>
-                </a:r>
-              </a:p>
-              <a:p>
-                <a:pPr marL="342900" indent="-342900">
-                  <a:buFont typeface="Arial" panose="020B0604020202020204" pitchFamily="34" charset="0"/>
-                  <a:buChar char="•"/>
-                </a:pPr>
-                <a:endParaRPr lang="en-US" sz="2000" dirty="0"/>
-              </a:p>
-              <a:p>
-                <a:pPr marL="342900" indent="-342900">
-                  <a:buFont typeface="Arial" panose="020B0604020202020204" pitchFamily="34" charset="0"/>
-                  <a:buChar char="•"/>
-                </a:pPr>
-                <a:r>
-                  <a:rPr lang="en-US" sz="2000" dirty="0"/>
-                  <a:t>Typically, we ‘calibrate’ the transformations on the training set, and then run it on the test set.</a:t>
-                </a:r>
-              </a:p>
-              <a:p>
-                <a:pPr marL="342900" indent="-342900">
-                  <a:buFont typeface="Arial" panose="020B0604020202020204" pitchFamily="34" charset="0"/>
-                  <a:buChar char="•"/>
-                </a:pPr>
-                <a:endParaRPr lang="en-US" sz="2000" dirty="0"/>
-              </a:p>
-              <a:p>
-                <a:pPr marL="342900" indent="-342900">
-                  <a:buFont typeface="Arial" panose="020B0604020202020204" pitchFamily="34" charset="0"/>
-                  <a:buChar char="•"/>
-                </a:pPr>
-                <a:r>
-                  <a:rPr lang="en-US" sz="2000" dirty="0"/>
-                  <a:t>For example, standardization scales the data according the mean </a:t>
-                </a:r>
-                <a14:m>
-                  <m:oMath xmlns:m="http://schemas.openxmlformats.org/officeDocument/2006/math">
-                    <m:r>
-                      <a:rPr lang="en-GB" sz="2000" b="0" i="1" smtClean="0">
-                        <a:latin typeface="Cambria Math" panose="02040503050406030204" pitchFamily="18" charset="0"/>
-                      </a:rPr>
-                      <m:t>𝜇</m:t>
-                    </m:r>
-                  </m:oMath>
-                </a14:m>
-                <a:r>
-                  <a:rPr lang="en-US" sz="2000" dirty="0"/>
-                  <a:t> and standard deviation </a:t>
-                </a:r>
-                <a14:m>
-                  <m:oMath xmlns:m="http://schemas.openxmlformats.org/officeDocument/2006/math">
-                    <m:r>
-                      <a:rPr lang="en-GB" sz="2000" b="0" i="1" smtClean="0">
-                        <a:latin typeface="Cambria Math" panose="02040503050406030204" pitchFamily="18" charset="0"/>
-                      </a:rPr>
-                      <m:t>𝜎</m:t>
-                    </m:r>
-                  </m:oMath>
-                </a14:m>
-                <a:r>
-                  <a:rPr lang="en-US" sz="2000" dirty="0"/>
-                  <a:t>. So each new example </a:t>
-                </a:r>
-                <a14:m>
-                  <m:oMath xmlns:m="http://schemas.openxmlformats.org/officeDocument/2006/math">
-                    <m:r>
-                      <a:rPr lang="en-GB" sz="2000" b="0" i="1" smtClean="0">
-                        <a:latin typeface="Cambria Math" panose="02040503050406030204" pitchFamily="18" charset="0"/>
-                      </a:rPr>
-                      <m:t>𝑧</m:t>
-                    </m:r>
-                  </m:oMath>
-                </a14:m>
-                <a:r>
-                  <a:rPr lang="en-US" sz="2000" dirty="0"/>
-                  <a:t> is calculated according to:</a:t>
-                </a:r>
-              </a:p>
-              <a:p>
-                <a:pPr marL="342900" indent="-342900">
-                  <a:buFont typeface="Arial" panose="020B0604020202020204" pitchFamily="34" charset="0"/>
-                  <a:buChar char="•"/>
-                </a:pPr>
-                <a:endParaRPr lang="en-US" sz="2000" dirty="0"/>
-              </a:p>
-              <a:p>
-                <a14:m>
-                  <m:oMathPara xmlns:m="http://schemas.openxmlformats.org/officeDocument/2006/math">
-                    <m:oMathParaPr>
-                      <m:jc m:val="centerGroup"/>
-                    </m:oMathParaPr>
-                    <m:oMath xmlns:m="http://schemas.openxmlformats.org/officeDocument/2006/math">
-                      <m:r>
-                        <a:rPr lang="en-GB" sz="2000" b="0" i="1" smtClean="0">
-                          <a:latin typeface="Cambria Math" panose="02040503050406030204" pitchFamily="18" charset="0"/>
-                        </a:rPr>
-                        <m:t>𝑧</m:t>
-                      </m:r>
-                      <m:r>
-                        <a:rPr lang="en-GB" sz="2000" b="0" i="1" smtClean="0">
-                          <a:latin typeface="Cambria Math" panose="02040503050406030204" pitchFamily="18" charset="0"/>
-                        </a:rPr>
-                        <m:t>=</m:t>
-                      </m:r>
-                      <m:f>
-                        <m:fPr>
-                          <m:ctrlPr>
-                            <a:rPr lang="en-GB" sz="2000" b="0" i="1" smtClean="0">
-                              <a:latin typeface="Cambria Math" panose="02040503050406030204" pitchFamily="18" charset="0"/>
-                            </a:rPr>
-                          </m:ctrlPr>
-                        </m:fPr>
-                        <m:num>
-                          <m:r>
-                            <a:rPr lang="en-GB" sz="2000" b="0" i="1" smtClean="0">
-                              <a:latin typeface="Cambria Math" panose="02040503050406030204" pitchFamily="18" charset="0"/>
-                            </a:rPr>
-                            <m:t>𝑥</m:t>
-                          </m:r>
-                          <m:r>
-                            <a:rPr lang="en-GB" sz="2000" b="0" i="1" smtClean="0">
-                              <a:latin typeface="Cambria Math" panose="02040503050406030204" pitchFamily="18" charset="0"/>
-                            </a:rPr>
-                            <m:t> −</m:t>
-                          </m:r>
-                          <m:r>
-                            <a:rPr lang="en-GB" sz="2000" b="0" i="1" smtClean="0">
-                              <a:latin typeface="Cambria Math" panose="02040503050406030204" pitchFamily="18" charset="0"/>
-                            </a:rPr>
-                            <m:t>𝜇</m:t>
-                          </m:r>
-                        </m:num>
-                        <m:den>
-                          <m:r>
-                            <a:rPr lang="en-GB" sz="2000" b="0" i="1" smtClean="0">
-                              <a:latin typeface="Cambria Math" panose="02040503050406030204" pitchFamily="18" charset="0"/>
-                            </a:rPr>
-                            <m:t>𝜎</m:t>
-                          </m:r>
-                        </m:den>
-                      </m:f>
-                    </m:oMath>
-                  </m:oMathPara>
-                </a14:m>
-                <a:endParaRPr lang="en-US" sz="2000" dirty="0"/>
-              </a:p>
-              <a:p>
-                <a:endParaRPr lang="en-US" sz="2000" dirty="0"/>
-              </a:p>
-              <a:p>
-                <a:pPr marL="342900" indent="-342900">
-                  <a:buFont typeface="Arial" panose="020B0604020202020204" pitchFamily="34" charset="0"/>
-                  <a:buChar char="•"/>
-                </a:pPr>
-                <a:r>
-                  <a:rPr lang="en-US" sz="2000" dirty="0"/>
-                  <a:t>When transforming the testing set, we use the mean and standard deviation from the training set.</a:t>
-                </a:r>
-              </a:p>
-            </p:txBody>
-          </p:sp>
-        </mc:Choice>
-        <mc:Fallback>
-          <p:sp>
-            <p:nvSpPr>
-              <p:cNvPr id="3" name="TextBox 2">
-                <a:extLst>
-                  <a:ext uri="{FF2B5EF4-FFF2-40B4-BE49-F238E27FC236}">
-                    <a16:creationId xmlns:a16="http://schemas.microsoft.com/office/drawing/2014/main" id="{647DFCC2-FF60-925D-7D59-79058319894C}"/>
-                  </a:ext>
-                </a:extLst>
-              </p:cNvPr>
-              <p:cNvSpPr txBox="1">
-                <a:spLocks noRot="1" noChangeAspect="1" noMove="1" noResize="1" noEditPoints="1" noAdjustHandles="1" noChangeArrowheads="1" noChangeShapeType="1" noTextEdit="1"/>
-              </p:cNvSpPr>
-              <p:nvPr/>
-            </p:nvSpPr>
-            <p:spPr>
-              <a:xfrm>
-                <a:off x="781234" y="1518081"/>
-                <a:ext cx="10267765" cy="4620496"/>
-              </a:xfrm>
-              <a:prstGeom prst="rect">
-                <a:avLst/>
-              </a:prstGeom>
-              <a:blipFill>
-                <a:blip r:embed="rId3"/>
-                <a:stretch>
-                  <a:fillRect l="-494" t="-548" r="-618" b="-1370"/>
-                </a:stretch>
-              </a:blipFill>
-            </p:spPr>
-            <p:txBody>
-              <a:bodyPr/>
-              <a:lstStyle/>
-              <a:p>
-                <a:r>
-                  <a:rPr lang="en-US">
-                    <a:noFill/>
-                  </a:rPr>
-                  <a:t> </a:t>
-                </a:r>
-              </a:p>
-            </p:txBody>
-          </p:sp>
-        </mc:Fallback>
-      </mc:AlternateContent>
+      <p:sp>
+        <p:nvSpPr>
+          <p:cNvPr id="3" name="TextBox 2">
+            <a:extLst>
+              <a:ext uri="{FF2B5EF4-FFF2-40B4-BE49-F238E27FC236}">
+                <a16:creationId xmlns:a16="http://schemas.microsoft.com/office/drawing/2014/main" id="{647DFCC2-FF60-925D-7D59-79058319894C}"/>
+              </a:ext>
+            </a:extLst>
+          </p:cNvPr>
+          <p:cNvSpPr txBox="1"/>
+          <p:nvPr/>
+        </p:nvSpPr>
+        <p:spPr>
+          <a:xfrm>
+            <a:off x="781234" y="1518081"/>
+            <a:ext cx="10267765" cy="4401205"/>
+          </a:xfrm>
+          <a:prstGeom prst="rect">
+            <a:avLst/>
+          </a:prstGeom>
+          <a:noFill/>
+        </p:spPr>
+        <p:txBody>
+          <a:bodyPr wrap="square" rtlCol="0">
+            <a:spAutoFit/>
+          </a:bodyPr>
+          <a:lstStyle/>
+          <a:p>
+            <a:pPr marL="342900" indent="-342900">
+              <a:buFont typeface="Arial" panose="020B0604020202020204" pitchFamily="34" charset="0"/>
+              <a:buChar char="•"/>
+            </a:pPr>
+            <a:r>
+              <a:rPr lang="en-US" sz="2000" dirty="0"/>
+              <a:t>Your code is readable, well documented, and well structured.</a:t>
+            </a:r>
+          </a:p>
+          <a:p>
+            <a:pPr marL="342900" indent="-342900">
+              <a:buFont typeface="Arial" panose="020B0604020202020204" pitchFamily="34" charset="0"/>
+              <a:buChar char="•"/>
+            </a:pPr>
+            <a:endParaRPr lang="en-US" sz="2000" dirty="0"/>
+          </a:p>
+          <a:p>
+            <a:pPr marL="342900" indent="-342900">
+              <a:buFont typeface="Arial" panose="020B0604020202020204" pitchFamily="34" charset="0"/>
+              <a:buChar char="•"/>
+            </a:pPr>
+            <a:r>
+              <a:rPr lang="en-US" sz="2000" dirty="0"/>
+              <a:t>Make good variable name decisions:</a:t>
+            </a:r>
+          </a:p>
+          <a:p>
+            <a:pPr marL="800100" lvl="1" indent="-342900">
+              <a:buFont typeface="Arial" panose="020B0604020202020204" pitchFamily="34" charset="0"/>
+              <a:buChar char="•"/>
+            </a:pPr>
+            <a:r>
+              <a:rPr lang="en-US" sz="2000" dirty="0" err="1">
+                <a:latin typeface="Consolas" panose="020B0609020204030204" pitchFamily="49" charset="0"/>
+                <a:cs typeface="Consolas" panose="020B0609020204030204" pitchFamily="49" charset="0"/>
+              </a:rPr>
+              <a:t>I_o_th</a:t>
+            </a:r>
+            <a:endParaRPr lang="en-US" sz="2000" dirty="0">
+              <a:latin typeface="Consolas" panose="020B0609020204030204" pitchFamily="49" charset="0"/>
+              <a:cs typeface="Consolas" panose="020B0609020204030204" pitchFamily="49" charset="0"/>
+            </a:endParaRPr>
+          </a:p>
+          <a:p>
+            <a:pPr marL="800100" lvl="1" indent="-342900">
+              <a:buFont typeface="Arial" panose="020B0604020202020204" pitchFamily="34" charset="0"/>
+              <a:buChar char="•"/>
+            </a:pPr>
+            <a:r>
+              <a:rPr lang="en-US" sz="2000" dirty="0" err="1">
+                <a:latin typeface="Consolas" panose="020B0609020204030204" pitchFamily="49" charset="0"/>
+                <a:cs typeface="Consolas" panose="020B0609020204030204" pitchFamily="49" charset="0"/>
+              </a:rPr>
+              <a:t>output_current_threshold</a:t>
+            </a:r>
+            <a:endParaRPr lang="en-US" sz="2000" dirty="0">
+              <a:latin typeface="Consolas" panose="020B0609020204030204" pitchFamily="49" charset="0"/>
+              <a:cs typeface="Consolas" panose="020B0609020204030204" pitchFamily="49" charset="0"/>
+            </a:endParaRPr>
+          </a:p>
+          <a:p>
+            <a:pPr marL="800100" lvl="1" indent="-342900">
+              <a:buFont typeface="Arial" panose="020B0604020202020204" pitchFamily="34" charset="0"/>
+              <a:buChar char="•"/>
+            </a:pPr>
+            <a:endParaRPr lang="en-US" sz="2000" dirty="0"/>
+          </a:p>
+          <a:p>
+            <a:pPr marL="342900" indent="-342900">
+              <a:buFont typeface="Arial" panose="020B0604020202020204" pitchFamily="34" charset="0"/>
+              <a:buChar char="•"/>
+            </a:pPr>
+            <a:r>
+              <a:rPr lang="en-US" sz="2000" dirty="0"/>
+              <a:t>Name functions and methods based on what they do:</a:t>
+            </a:r>
+          </a:p>
+          <a:p>
+            <a:pPr marL="800100" lvl="1" indent="-342900">
+              <a:buFont typeface="Arial" panose="020B0604020202020204" pitchFamily="34" charset="0"/>
+              <a:buChar char="•"/>
+            </a:pPr>
+            <a:r>
+              <a:rPr lang="en-US" sz="2000" dirty="0" err="1">
+                <a:latin typeface="Consolas" panose="020B0609020204030204" pitchFamily="49" charset="0"/>
+                <a:cs typeface="Consolas" panose="020B0609020204030204" pitchFamily="49" charset="0"/>
+              </a:rPr>
+              <a:t>is_intercepting</a:t>
+            </a:r>
+            <a:r>
+              <a:rPr lang="en-US" sz="2000" dirty="0">
+                <a:latin typeface="Consolas" panose="020B0609020204030204" pitchFamily="49" charset="0"/>
+                <a:cs typeface="Consolas" panose="020B0609020204030204" pitchFamily="49" charset="0"/>
+              </a:rPr>
+              <a:t>()</a:t>
+            </a:r>
+          </a:p>
+          <a:p>
+            <a:pPr marL="800100" lvl="1" indent="-342900">
+              <a:buFont typeface="Arial" panose="020B0604020202020204" pitchFamily="34" charset="0"/>
+              <a:buChar char="•"/>
+            </a:pPr>
+            <a:r>
+              <a:rPr lang="en-US" sz="2000" dirty="0" err="1">
+                <a:latin typeface="Consolas" panose="020B0609020204030204" pitchFamily="49" charset="0"/>
+                <a:cs typeface="Consolas" panose="020B0609020204030204" pitchFamily="49" charset="0"/>
+              </a:rPr>
+              <a:t>find_intercept_points</a:t>
+            </a:r>
+            <a:r>
+              <a:rPr lang="en-US" sz="2000" dirty="0">
+                <a:latin typeface="Consolas" panose="020B0609020204030204" pitchFamily="49" charset="0"/>
+                <a:cs typeface="Consolas" panose="020B0609020204030204" pitchFamily="49" charset="0"/>
+              </a:rPr>
+              <a:t>()</a:t>
+            </a:r>
+          </a:p>
+          <a:p>
+            <a:pPr marL="800100" lvl="1" indent="-342900">
+              <a:buFont typeface="Arial" panose="020B0604020202020204" pitchFamily="34" charset="0"/>
+              <a:buChar char="•"/>
+            </a:pPr>
+            <a:endParaRPr lang="en-US" sz="2000" dirty="0"/>
+          </a:p>
+          <a:p>
+            <a:pPr marL="342900" indent="-342900">
+              <a:buFont typeface="Arial" panose="020B0604020202020204" pitchFamily="34" charset="0"/>
+              <a:buChar char="•"/>
+            </a:pPr>
+            <a:r>
+              <a:rPr lang="en-US" sz="2000" dirty="0"/>
+              <a:t>You should try and aim for ‘self documenting’ code.</a:t>
+            </a:r>
+          </a:p>
+          <a:p>
+            <a:pPr marL="342900" indent="-342900">
+              <a:buFont typeface="Arial" panose="020B0604020202020204" pitchFamily="34" charset="0"/>
+              <a:buChar char="•"/>
+            </a:pPr>
+            <a:endParaRPr lang="en-US" sz="2000" dirty="0"/>
+          </a:p>
+          <a:p>
+            <a:pPr marL="342900" indent="-342900">
+              <a:buFont typeface="Arial" panose="020B0604020202020204" pitchFamily="34" charset="0"/>
+              <a:buChar char="•"/>
+            </a:pPr>
+            <a:r>
+              <a:rPr lang="en-US" sz="2000" dirty="0"/>
+              <a:t>A good guide to formatting code can be found on the </a:t>
+            </a:r>
+            <a:r>
+              <a:rPr lang="en-US" sz="2000" dirty="0">
+                <a:hlinkClick r:id="rId3"/>
+              </a:rPr>
+              <a:t>PEP8</a:t>
+            </a:r>
+            <a:r>
+              <a:rPr lang="en-US" sz="2000" dirty="0"/>
+              <a:t> website</a:t>
+            </a:r>
+          </a:p>
+          <a:p>
+            <a:pPr marL="800100" lvl="1" indent="-342900">
+              <a:buFont typeface="Arial" panose="020B0604020202020204" pitchFamily="34" charset="0"/>
+              <a:buChar char="•"/>
+            </a:pPr>
+            <a:endParaRPr lang="en-US" sz="2000" dirty="0"/>
+          </a:p>
+        </p:txBody>
+      </p:sp>
     </p:spTree>
     <p:extLst>
       <p:ext uri="{BB962C8B-B14F-4D97-AF65-F5344CB8AC3E}">
-        <p14:creationId xmlns:p14="http://schemas.microsoft.com/office/powerpoint/2010/main" val="1303791263"/>
+        <p14:creationId xmlns:p14="http://schemas.microsoft.com/office/powerpoint/2010/main" val="3982808384"/>
       </p:ext>
     </p:extLst>
   </p:cSld>
@@ -7801,7 +7277,7 @@
           <a:p>
             <a:r>
               <a:rPr lang="en-US" dirty="0"/>
-              <a:t>Caveats</a:t>
+              <a:t>Design decisions to aid reproducibility – documenting</a:t>
             </a:r>
           </a:p>
           <a:p>
@@ -7827,7 +7303,7 @@
         <p:spPr>
           <a:xfrm>
             <a:off x="781234" y="1518081"/>
-            <a:ext cx="10267765" cy="4401205"/>
+            <a:ext cx="10267765" cy="3170099"/>
           </a:xfrm>
           <a:prstGeom prst="rect">
             <a:avLst/>
@@ -7846,20 +7322,7 @@
             </a:pPr>
             <a:r>
               <a:rPr lang="en-US" sz="2000" dirty="0"/>
-              <a:t>Sometimes you simply cannot control all sources of randomness.</a:t>
-            </a:r>
-          </a:p>
-          <a:p>
-            <a:endParaRPr lang="en-US" sz="2000" dirty="0"/>
-          </a:p>
-          <a:p>
-            <a:pPr marL="342900" indent="-342900">
-              <a:buFont typeface="Arial" panose="020B0604020202020204" pitchFamily="34" charset="0"/>
-              <a:buChar char="•"/>
-            </a:pPr>
-            <a:r>
-              <a:rPr lang="en-US" sz="2000" dirty="0"/>
-              <a:t>This can be experimental issues such as batch effects of noise in a physical device.</a:t>
+              <a:t>Document your code with actual docstrings, type hints, and comments.</a:t>
             </a:r>
           </a:p>
           <a:p>
@@ -7876,15 +7339,7 @@
             </a:pPr>
             <a:r>
               <a:rPr lang="en-US" sz="2000" dirty="0"/>
-              <a:t>Similarly in </a:t>
-            </a:r>
-            <a:r>
-              <a:rPr lang="en-US" sz="2000" dirty="0" err="1"/>
-              <a:t>PyTorch</a:t>
-            </a:r>
-            <a:r>
-              <a:rPr lang="en-US" sz="2000" dirty="0"/>
-              <a:t>, you cannot expect perfect reproducibility across CPUs and GPUs.</a:t>
+              <a:t>Docstrings and type hints will help people understand what various parts of your pipeline do, what the arguments are supposed to be, and what your functions return. </a:t>
             </a:r>
           </a:p>
           <a:p>
@@ -7901,15 +7356,7 @@
             </a:pPr>
             <a:r>
               <a:rPr lang="en-US" sz="2000" dirty="0"/>
-              <a:t>You also cannot control some nondeterministic algorithms in </a:t>
-            </a:r>
-            <a:r>
-              <a:rPr lang="en-US" sz="2000" dirty="0" err="1"/>
-              <a:t>PyTorch</a:t>
-            </a:r>
-            <a:r>
-              <a:rPr lang="en-US" sz="2000" dirty="0"/>
-              <a:t>, which we will see later.</a:t>
+              <a:t>Don’t comment everything. It should be blindingly obvious what most parts of your code do, but sometimes it’s nice to include a little comment to help the reader.</a:t>
             </a:r>
           </a:p>
           <a:p>
@@ -7926,54 +7373,7 @@
             </a:pPr>
             <a:r>
               <a:rPr lang="en-US" sz="2000" dirty="0"/>
-              <a:t>In general, you can expect to reproduce most random behavior from </a:t>
-            </a:r>
-            <a:r>
-              <a:rPr lang="en-US" sz="2000" dirty="0" err="1"/>
-              <a:t>Numpy</a:t>
-            </a:r>
-            <a:r>
-              <a:rPr lang="en-US" sz="2000" dirty="0"/>
-              <a:t> to MATLAB, but you should expect some ‘gotchas’.</a:t>
-            </a:r>
-          </a:p>
-          <a:p>
-            <a:pPr marL="800100" lvl="1" indent="-342900">
-              <a:buFont typeface="Arial" panose="020B0604020202020204" pitchFamily="34" charset="0"/>
-              <a:buChar char="•"/>
-            </a:pPr>
-            <a:r>
-              <a:rPr lang="en-US" sz="2000" dirty="0"/>
-              <a:t>For example </a:t>
-            </a:r>
-            <a:r>
-              <a:rPr lang="en-US" sz="2000" dirty="0" err="1"/>
-              <a:t>Numpy</a:t>
-            </a:r>
-            <a:r>
-              <a:rPr lang="en-US" sz="2000" dirty="0"/>
-              <a:t> and MATLAB will use different thresholding for certain linear algebra operations</a:t>
-            </a:r>
-          </a:p>
-          <a:p>
-            <a:pPr marL="800100" lvl="1" indent="-342900">
-              <a:buFont typeface="Arial" panose="020B0604020202020204" pitchFamily="34" charset="0"/>
-              <a:buChar char="•"/>
-            </a:pPr>
-            <a:endParaRPr lang="en-US" sz="2000" dirty="0"/>
-          </a:p>
-          <a:p>
-            <a:pPr marL="342900" indent="-342900">
-              <a:buFont typeface="Arial" panose="020B0604020202020204" pitchFamily="34" charset="0"/>
-              <a:buChar char="•"/>
-            </a:pPr>
-            <a:r>
-              <a:rPr lang="en-US" sz="2000" b="1" dirty="0">
-                <a:solidFill>
-                  <a:srgbClr val="FF0000"/>
-                </a:solidFill>
-              </a:rPr>
-              <a:t>DO NOT MAKE DESIGN DECISIONS BASED ON RANDOM SEEDS!!!</a:t>
+              <a:t>As a general rule, if writing a line of code caused your brain to hurt, just leave a small comment explaining what the line does.</a:t>
             </a:r>
           </a:p>
         </p:txBody>
@@ -7981,7 +7381,7 @@
     </p:spTree>
     <p:extLst>
       <p:ext uri="{BB962C8B-B14F-4D97-AF65-F5344CB8AC3E}">
-        <p14:creationId xmlns:p14="http://schemas.microsoft.com/office/powerpoint/2010/main" val="2232879702"/>
+        <p14:creationId xmlns:p14="http://schemas.microsoft.com/office/powerpoint/2010/main" val="4202790678"/>
       </p:ext>
     </p:extLst>
   </p:cSld>
@@ -8027,7 +7427,7 @@
           <a:p>
             <a:r>
               <a:rPr lang="en-US" dirty="0"/>
-              <a:t>Design decisions to aid reproducibility – naming</a:t>
+              <a:t>Design decisions to aid reproducibility – structure</a:t>
             </a:r>
           </a:p>
           <a:p>
@@ -8053,7 +7453,7 @@
         <p:spPr>
           <a:xfrm>
             <a:off x="781234" y="1518081"/>
-            <a:ext cx="10267765" cy="4401205"/>
+            <a:ext cx="10267765" cy="5016758"/>
           </a:xfrm>
           <a:prstGeom prst="rect">
             <a:avLst/>
@@ -8072,7 +7472,7 @@
             </a:pPr>
             <a:r>
               <a:rPr lang="en-US" sz="2000" dirty="0"/>
-              <a:t>Your code is readable, well documented, and well structured.</a:t>
+              <a:t>Where possible, your software should be modular and general. For example, if you have a function that passes a moving window over an audio file, like a filter, it should work on any audio file, not just the one you are interested in.</a:t>
             </a:r>
           </a:p>
           <a:p>
@@ -8089,103 +7489,7 @@
             </a:pPr>
             <a:r>
               <a:rPr lang="en-US" sz="2000" dirty="0"/>
-              <a:t>Make good variable name decisions:</a:t>
-            </a:r>
-          </a:p>
-          <a:p>
-            <a:pPr marL="800100" lvl="1" indent="-342900">
-              <a:buFont typeface="Arial" panose="020B0604020202020204" pitchFamily="34" charset="0"/>
-              <a:buChar char="•"/>
-            </a:pPr>
-            <a:r>
-              <a:rPr lang="en-US" sz="2000" dirty="0" err="1">
-                <a:latin typeface="Consolas" panose="020B0609020204030204" pitchFamily="49" charset="0"/>
-                <a:cs typeface="Consolas" panose="020B0609020204030204" pitchFamily="49" charset="0"/>
-              </a:rPr>
-              <a:t>I_o_th</a:t>
-            </a:r>
-            <a:endParaRPr lang="en-US" sz="2000" dirty="0">
-              <a:latin typeface="Consolas" panose="020B0609020204030204" pitchFamily="49" charset="0"/>
-              <a:cs typeface="Consolas" panose="020B0609020204030204" pitchFamily="49" charset="0"/>
-            </a:endParaRPr>
-          </a:p>
-          <a:p>
-            <a:pPr marL="800100" lvl="1" indent="-342900">
-              <a:buFont typeface="Arial" panose="020B0604020202020204" pitchFamily="34" charset="0"/>
-              <a:buChar char="•"/>
-            </a:pPr>
-            <a:r>
-              <a:rPr lang="en-US" sz="2000" dirty="0" err="1">
-                <a:latin typeface="Consolas" panose="020B0609020204030204" pitchFamily="49" charset="0"/>
-                <a:cs typeface="Consolas" panose="020B0609020204030204" pitchFamily="49" charset="0"/>
-              </a:rPr>
-              <a:t>output_current_threshold</a:t>
-            </a:r>
-            <a:endParaRPr lang="en-US" sz="2000" dirty="0">
-              <a:latin typeface="Consolas" panose="020B0609020204030204" pitchFamily="49" charset="0"/>
-              <a:cs typeface="Consolas" panose="020B0609020204030204" pitchFamily="49" charset="0"/>
-            </a:endParaRPr>
-          </a:p>
-          <a:p>
-            <a:pPr marL="800100" lvl="1" indent="-342900">
-              <a:buFont typeface="Arial" panose="020B0604020202020204" pitchFamily="34" charset="0"/>
-              <a:buChar char="•"/>
-            </a:pPr>
-            <a:endParaRPr lang="en-US" sz="2000" dirty="0"/>
-          </a:p>
-          <a:p>
-            <a:pPr marL="342900" indent="-342900">
-              <a:buFont typeface="Arial" panose="020B0604020202020204" pitchFamily="34" charset="0"/>
-              <a:buChar char="•"/>
-            </a:pPr>
-            <a:r>
-              <a:rPr lang="en-US" sz="2000" dirty="0"/>
-              <a:t>Name functions and methods based on what they do:</a:t>
-            </a:r>
-          </a:p>
-          <a:p>
-            <a:pPr marL="800100" lvl="1" indent="-342900">
-              <a:buFont typeface="Arial" panose="020B0604020202020204" pitchFamily="34" charset="0"/>
-              <a:buChar char="•"/>
-            </a:pPr>
-            <a:r>
-              <a:rPr lang="en-US" sz="2000" dirty="0" err="1"/>
-              <a:t>is_intercepting</a:t>
-            </a:r>
-            <a:r>
-              <a:rPr lang="en-US" sz="2000" dirty="0"/>
-              <a:t>():</a:t>
-            </a:r>
-          </a:p>
-          <a:p>
-            <a:pPr marL="800100" lvl="1" indent="-342900">
-              <a:buFont typeface="Arial" panose="020B0604020202020204" pitchFamily="34" charset="0"/>
-              <a:buChar char="•"/>
-            </a:pPr>
-            <a:r>
-              <a:rPr lang="en-US" sz="2000" dirty="0" err="1"/>
-              <a:t>find_intercepts</a:t>
-            </a:r>
-            <a:r>
-              <a:rPr lang="en-US" sz="2000" dirty="0"/>
-              <a:t>()</a:t>
-            </a:r>
-          </a:p>
-          <a:p>
-            <a:pPr marL="800100" lvl="1" indent="-342900">
-              <a:buFont typeface="Arial" panose="020B0604020202020204" pitchFamily="34" charset="0"/>
-              <a:buChar char="•"/>
-            </a:pPr>
-            <a:endParaRPr lang="en-US" sz="2000" dirty="0"/>
-          </a:p>
-          <a:p>
-            <a:pPr marL="342900" indent="-342900">
-              <a:buFont typeface="Arial" panose="020B0604020202020204" pitchFamily="34" charset="0"/>
-              <a:buChar char="•"/>
-            </a:pPr>
-            <a:r>
-              <a:rPr lang="en-US" sz="2000" dirty="0"/>
-              <a:t>You should try and aim for ‘self documenting’ code.</a:t>
+              <a:t>You want your code to be like LEGO bricks.</a:t>
             </a:r>
           </a:p>
           <a:p>
@@ -8202,32 +7506,56 @@
             </a:pPr>
             <a:r>
               <a:rPr lang="en-US" sz="2000" dirty="0"/>
-              <a:t>A good guide to formatting code can be found on the </a:t>
-            </a:r>
-            <a:r>
-              <a:rPr lang="en-US" sz="2000" dirty="0">
-                <a:hlinkClick r:id="rId3"/>
-              </a:rPr>
-              <a:t>PEP8</a:t>
-            </a:r>
-            <a:r>
-              <a:rPr lang="en-US" sz="2000" dirty="0"/>
-              <a:t> website</a:t>
-            </a:r>
-          </a:p>
-          <a:p>
-            <a:pPr marL="800100" lvl="1" indent="-342900">
+              <a:t>You have used the LEGO bricks to create a specific object, and you have given people instructions on how to also build this object. But at the same time, a brick is just a brick, and you can use it to create anything you like.</a:t>
+            </a:r>
+          </a:p>
+          <a:p>
+            <a:pPr marL="342900" indent="-342900">
               <a:buFont typeface="Arial" panose="020B0604020202020204" pitchFamily="34" charset="0"/>
               <a:buChar char="•"/>
             </a:pPr>
             <a:endParaRPr lang="en-US" sz="2000" dirty="0"/>
           </a:p>
+          <a:p>
+            <a:pPr marL="342900" indent="-342900">
+              <a:buFont typeface="Arial" panose="020B0604020202020204" pitchFamily="34" charset="0"/>
+              <a:buChar char="•"/>
+            </a:pPr>
+            <a:r>
+              <a:rPr lang="en-US" sz="2000" dirty="0"/>
+              <a:t>Don’t try and force using OO design. If you don’t need to build a class for it, then don’t. Plenty of successful packages just use functions.</a:t>
+            </a:r>
+          </a:p>
+          <a:p>
+            <a:pPr marL="342900" indent="-342900">
+              <a:buFont typeface="Arial" panose="020B0604020202020204" pitchFamily="34" charset="0"/>
+              <a:buChar char="•"/>
+            </a:pPr>
+            <a:endParaRPr lang="en-US" sz="2000" dirty="0"/>
+          </a:p>
+          <a:p>
+            <a:pPr marL="342900" indent="-342900">
+              <a:buFont typeface="Arial" panose="020B0604020202020204" pitchFamily="34" charset="0"/>
+              <a:buChar char="•"/>
+            </a:pPr>
+            <a:r>
+              <a:rPr lang="en-US" sz="2000" dirty="0"/>
+              <a:t>Modularity makes it easy for you to test your code, and easier for others to see what is going on.</a:t>
+            </a:r>
+          </a:p>
+          <a:p>
+            <a:pPr marL="342900" indent="-342900">
+              <a:buFont typeface="Arial" panose="020B0604020202020204" pitchFamily="34" charset="0"/>
+              <a:buChar char="•"/>
+            </a:pPr>
+            <a:endParaRPr lang="en-US" sz="2000" dirty="0"/>
+          </a:p>
         </p:txBody>
       </p:sp>
     </p:spTree>
     <p:extLst>
       <p:ext uri="{BB962C8B-B14F-4D97-AF65-F5344CB8AC3E}">
-        <p14:creationId xmlns:p14="http://schemas.microsoft.com/office/powerpoint/2010/main" val="3982808384"/>
+        <p14:creationId xmlns:p14="http://schemas.microsoft.com/office/powerpoint/2010/main" val="2676362792"/>
       </p:ext>
     </p:extLst>
   </p:cSld>
